--- a/create/ineqx-hexagon.pptx
+++ b/create/ineqx-hexagon.pptx
@@ -1106,7 +1106,7 @@
           <a:p>
             <a:fld id="{8AA7341E-E8D5-574D-9C77-42D65F8270B5}" type="datetimeFigureOut">
               <a:rPr lang="en-US" smtClean="0"/>
-              <a:t>4/6/2022</a:t>
+              <a:t>4/7/2022</a:t>
             </a:fld>
             <a:endParaRPr lang="en-US"/>
           </a:p>
@@ -1276,7 +1276,7 @@
           <a:p>
             <a:fld id="{8AA7341E-E8D5-574D-9C77-42D65F8270B5}" type="datetimeFigureOut">
               <a:rPr lang="en-US" smtClean="0"/>
-              <a:t>4/6/2022</a:t>
+              <a:t>4/7/2022</a:t>
             </a:fld>
             <a:endParaRPr lang="en-US"/>
           </a:p>
@@ -1456,7 +1456,7 @@
           <a:p>
             <a:fld id="{8AA7341E-E8D5-574D-9C77-42D65F8270B5}" type="datetimeFigureOut">
               <a:rPr lang="en-US" smtClean="0"/>
-              <a:t>4/6/2022</a:t>
+              <a:t>4/7/2022</a:t>
             </a:fld>
             <a:endParaRPr lang="en-US"/>
           </a:p>
@@ -1626,7 +1626,7 @@
           <a:p>
             <a:fld id="{8AA7341E-E8D5-574D-9C77-42D65F8270B5}" type="datetimeFigureOut">
               <a:rPr lang="en-US" smtClean="0"/>
-              <a:t>4/6/2022</a:t>
+              <a:t>4/7/2022</a:t>
             </a:fld>
             <a:endParaRPr lang="en-US"/>
           </a:p>
@@ -1870,7 +1870,7 @@
           <a:p>
             <a:fld id="{8AA7341E-E8D5-574D-9C77-42D65F8270B5}" type="datetimeFigureOut">
               <a:rPr lang="en-US" smtClean="0"/>
-              <a:t>4/6/2022</a:t>
+              <a:t>4/7/2022</a:t>
             </a:fld>
             <a:endParaRPr lang="en-US"/>
           </a:p>
@@ -2102,7 +2102,7 @@
           <a:p>
             <a:fld id="{8AA7341E-E8D5-574D-9C77-42D65F8270B5}" type="datetimeFigureOut">
               <a:rPr lang="en-US" smtClean="0"/>
-              <a:t>4/6/2022</a:t>
+              <a:t>4/7/2022</a:t>
             </a:fld>
             <a:endParaRPr lang="en-US"/>
           </a:p>
@@ -2469,7 +2469,7 @@
           <a:p>
             <a:fld id="{8AA7341E-E8D5-574D-9C77-42D65F8270B5}" type="datetimeFigureOut">
               <a:rPr lang="en-US" smtClean="0"/>
-              <a:t>4/6/2022</a:t>
+              <a:t>4/7/2022</a:t>
             </a:fld>
             <a:endParaRPr lang="en-US"/>
           </a:p>
@@ -2587,7 +2587,7 @@
           <a:p>
             <a:fld id="{8AA7341E-E8D5-574D-9C77-42D65F8270B5}" type="datetimeFigureOut">
               <a:rPr lang="en-US" smtClean="0"/>
-              <a:t>4/6/2022</a:t>
+              <a:t>4/7/2022</a:t>
             </a:fld>
             <a:endParaRPr lang="en-US"/>
           </a:p>
@@ -2682,7 +2682,7 @@
           <a:p>
             <a:fld id="{8AA7341E-E8D5-574D-9C77-42D65F8270B5}" type="datetimeFigureOut">
               <a:rPr lang="en-US" smtClean="0"/>
-              <a:t>4/6/2022</a:t>
+              <a:t>4/7/2022</a:t>
             </a:fld>
             <a:endParaRPr lang="en-US"/>
           </a:p>
@@ -2959,7 +2959,7 @@
           <a:p>
             <a:fld id="{8AA7341E-E8D5-574D-9C77-42D65F8270B5}" type="datetimeFigureOut">
               <a:rPr lang="en-US" smtClean="0"/>
-              <a:t>4/6/2022</a:t>
+              <a:t>4/7/2022</a:t>
             </a:fld>
             <a:endParaRPr lang="en-US"/>
           </a:p>
@@ -3216,7 +3216,7 @@
           <a:p>
             <a:fld id="{8AA7341E-E8D5-574D-9C77-42D65F8270B5}" type="datetimeFigureOut">
               <a:rPr lang="en-US" smtClean="0"/>
-              <a:t>4/6/2022</a:t>
+              <a:t>4/7/2022</a:t>
             </a:fld>
             <a:endParaRPr lang="en-US"/>
           </a:p>
@@ -3429,7 +3429,7 @@
           <a:p>
             <a:fld id="{8AA7341E-E8D5-574D-9C77-42D65F8270B5}" type="datetimeFigureOut">
               <a:rPr lang="en-US" smtClean="0"/>
-              <a:t>4/6/2022</a:t>
+              <a:t>4/7/2022</a:t>
             </a:fld>
             <a:endParaRPr lang="en-US"/>
           </a:p>
@@ -3834,190 +3834,172 @@
           <a:chExt cx="0" cy="0"/>
         </a:xfrm>
       </p:grpSpPr>
-      <p:sp>
-        <p:nvSpPr>
-          <p:cNvPr id="9" name="Hexagon 8">
+      <p:grpSp>
+        <p:nvGrpSpPr>
+          <p:cNvPr id="4" name="Group 3">
             <a:extLst>
               <a:ext uri="{FF2B5EF4-FFF2-40B4-BE49-F238E27FC236}">
-                <a16:creationId xmlns:a16="http://schemas.microsoft.com/office/drawing/2014/main" id="{D0AEC54C-17B0-4C78-B5AA-80C421B7570B}"/>
+                <a16:creationId xmlns:a16="http://schemas.microsoft.com/office/drawing/2014/main" id="{91C5B726-55AD-4337-AC22-A34BD8DC7A45}"/>
               </a:ext>
             </a:extLst>
           </p:cNvPr>
-          <p:cNvSpPr>
-            <a:spLocks noChangeAspect="1"/>
-          </p:cNvSpPr>
+          <p:cNvGrpSpPr/>
           <p:nvPr/>
-        </p:nvSpPr>
-        <p:spPr>
+        </p:nvGrpSpPr>
+        <p:grpSpPr>
           <a:xfrm>
             <a:off x="31235" y="23492"/>
             <a:ext cx="1311200" cy="1141335"/>
+            <a:chOff x="31235" y="23492"/>
+            <a:chExt cx="1311200" cy="1141335"/>
           </a:xfrm>
-          <a:prstGeom prst="hexagon">
-            <a:avLst>
-              <a:gd name="adj" fmla="val 28372"/>
-              <a:gd name="vf" fmla="val 115470"/>
-            </a:avLst>
-          </a:prstGeom>
-          <a:gradFill flip="none" rotWithShape="1">
-            <a:gsLst>
-              <a:gs pos="0">
-                <a:srgbClr val="00B050">
-                  <a:shade val="30000"/>
-                  <a:satMod val="115000"/>
-                </a:srgbClr>
-              </a:gs>
-              <a:gs pos="50000">
-                <a:srgbClr val="00B050">
-                  <a:shade val="67500"/>
-                  <a:satMod val="115000"/>
-                </a:srgbClr>
-              </a:gs>
-              <a:gs pos="100000">
-                <a:srgbClr val="00B050">
-                  <a:shade val="100000"/>
-                  <a:satMod val="115000"/>
-                </a:srgbClr>
-              </a:gs>
-            </a:gsLst>
-            <a:lin ang="0" scaled="1"/>
-            <a:tileRect/>
-          </a:gradFill>
-          <a:ln w="38100">
-            <a:solidFill>
-              <a:srgbClr val="00B050"/>
-            </a:solidFill>
-          </a:ln>
-          <a:effectLst>
-            <a:glow>
+        </p:grpSpPr>
+        <p:sp>
+          <p:nvSpPr>
+            <p:cNvPr id="9" name="Hexagon 8">
+              <a:extLst>
+                <a:ext uri="{FF2B5EF4-FFF2-40B4-BE49-F238E27FC236}">
+                  <a16:creationId xmlns:a16="http://schemas.microsoft.com/office/drawing/2014/main" id="{D0AEC54C-17B0-4C78-B5AA-80C421B7570B}"/>
+                </a:ext>
+              </a:extLst>
+            </p:cNvPr>
+            <p:cNvSpPr>
+              <a:spLocks noChangeAspect="1"/>
+            </p:cNvSpPr>
+            <p:nvPr/>
+          </p:nvSpPr>
+          <p:spPr>
+            <a:xfrm>
+              <a:off x="31235" y="23492"/>
+              <a:ext cx="1311200" cy="1141335"/>
+            </a:xfrm>
+            <a:prstGeom prst="hexagon">
+              <a:avLst>
+                <a:gd name="adj" fmla="val 28372"/>
+                <a:gd name="vf" fmla="val 115470"/>
+              </a:avLst>
+            </a:prstGeom>
+            <a:gradFill flip="none" rotWithShape="1">
+              <a:gsLst>
+                <a:gs pos="0">
+                  <a:srgbClr val="18BC9C">
+                    <a:shade val="30000"/>
+                    <a:satMod val="115000"/>
+                  </a:srgbClr>
+                </a:gs>
+                <a:gs pos="50000">
+                  <a:srgbClr val="18BC9C">
+                    <a:shade val="67500"/>
+                    <a:satMod val="115000"/>
+                  </a:srgbClr>
+                </a:gs>
+                <a:gs pos="100000">
+                  <a:srgbClr val="18BC9C">
+                    <a:shade val="100000"/>
+                    <a:satMod val="115000"/>
+                  </a:srgbClr>
+                </a:gs>
+              </a:gsLst>
+              <a:lin ang="16200000" scaled="1"/>
+              <a:tileRect/>
+            </a:gradFill>
+            <a:ln w="38100">
+              <a:solidFill>
+                <a:srgbClr val="F0F0F0"/>
+              </a:solidFill>
+            </a:ln>
+            <a:effectLst>
+              <a:glow>
+                <a:schemeClr val="accent1">
+                  <a:alpha val="40000"/>
+                </a:schemeClr>
+              </a:glow>
+            </a:effectLst>
+          </p:spPr>
+          <p:style>
+            <a:lnRef idx="2">
               <a:schemeClr val="accent1">
-                <a:alpha val="40000"/>
+                <a:shade val="50000"/>
               </a:schemeClr>
-            </a:glow>
-          </a:effectLst>
-        </p:spPr>
-        <p:style>
-          <a:lnRef idx="2">
-            <a:schemeClr val="accent1">
-              <a:shade val="50000"/>
-            </a:schemeClr>
-          </a:lnRef>
-          <a:fillRef idx="1">
-            <a:schemeClr val="accent1"/>
-          </a:fillRef>
-          <a:effectRef idx="0">
-            <a:schemeClr val="accent1"/>
-          </a:effectRef>
-          <a:fontRef idx="minor">
-            <a:schemeClr val="lt1"/>
-          </a:fontRef>
-        </p:style>
-        <p:txBody>
-          <a:bodyPr rtlCol="0" anchor="ctr"/>
-          <a:lstStyle/>
-          <a:p>
-            <a:pPr algn="ctr"/>
-            <a:endParaRPr lang="en-US" sz="1950" b="1" dirty="0">
-              <a:solidFill>
-                <a:schemeClr val="tx1"/>
-              </a:solidFill>
-              <a:latin typeface="Goudy Old Style" panose="02020502050305020303" pitchFamily="18" charset="0"/>
-            </a:endParaRPr>
-          </a:p>
-        </p:txBody>
-      </p:sp>
-      <p:pic>
-        <p:nvPicPr>
-          <p:cNvPr id="5" name="Picture 4" descr="Shape&#10;&#10;Description automatically generated">
-            <a:extLst>
-              <a:ext uri="{FF2B5EF4-FFF2-40B4-BE49-F238E27FC236}">
-                <a16:creationId xmlns:a16="http://schemas.microsoft.com/office/drawing/2014/main" id="{665EA4E4-099C-4CA0-A1BF-B5DEB8EACB87}"/>
-              </a:ext>
-            </a:extLst>
-          </p:cNvPr>
-          <p:cNvPicPr>
-            <a:picLocks noChangeAspect="1"/>
-          </p:cNvPicPr>
-          <p:nvPr/>
-        </p:nvPicPr>
-        <p:blipFill>
-          <a:blip r:embed="rId2">
-            <a:alphaModFix amt="35000"/>
-            <a:duotone>
-              <a:prstClr val="black"/>
-              <a:schemeClr val="accent2">
-                <a:tint val="45000"/>
-                <a:satMod val="400000"/>
-              </a:schemeClr>
-            </a:duotone>
-          </a:blip>
-          <a:stretch>
-            <a:fillRect/>
-          </a:stretch>
-        </p:blipFill>
-        <p:spPr>
-          <a:xfrm>
-            <a:off x="225921" y="140530"/>
-            <a:ext cx="935625" cy="885026"/>
-          </a:xfrm>
-          <a:prstGeom prst="rect">
-            <a:avLst/>
-          </a:prstGeom>
-        </p:spPr>
-      </p:pic>
-      <p:sp>
-        <p:nvSpPr>
-          <p:cNvPr id="11" name="TextBox 10">
-            <a:extLst>
-              <a:ext uri="{FF2B5EF4-FFF2-40B4-BE49-F238E27FC236}">
-                <a16:creationId xmlns:a16="http://schemas.microsoft.com/office/drawing/2014/main" id="{D7CD3D69-4309-45B2-BED3-3F465C479D5E}"/>
-              </a:ext>
-            </a:extLst>
-          </p:cNvPr>
-          <p:cNvSpPr txBox="1"/>
-          <p:nvPr/>
-        </p:nvSpPr>
-        <p:spPr>
-          <a:xfrm rot="5400000">
-            <a:off x="99299" y="298595"/>
-            <a:ext cx="1274813" cy="584775"/>
-          </a:xfrm>
-          <a:prstGeom prst="rect">
-            <a:avLst/>
-          </a:prstGeom>
-          <a:noFill/>
-        </p:spPr>
-        <p:txBody>
-          <a:bodyPr wrap="square">
-            <a:spAutoFit/>
-          </a:bodyPr>
-          <a:lstStyle/>
-          <a:p>
-            <a:pPr algn="ctr"/>
-            <a:r>
-              <a:rPr lang="en-US" sz="3200" b="1" dirty="0">
-                <a:ln w="25400" cap="rnd" cmpd="sng">
+            </a:lnRef>
+            <a:fillRef idx="1">
+              <a:schemeClr val="accent1"/>
+            </a:fillRef>
+            <a:effectRef idx="0">
+              <a:schemeClr val="accent1"/>
+            </a:effectRef>
+            <a:fontRef idx="minor">
+              <a:schemeClr val="lt1"/>
+            </a:fontRef>
+          </p:style>
+          <p:txBody>
+            <a:bodyPr rtlCol="0" anchor="ctr"/>
+            <a:lstStyle/>
+            <a:p>
+              <a:pPr algn="ctr"/>
+              <a:endParaRPr lang="en-US" sz="1950" b="1" dirty="0">
+                <a:solidFill>
+                  <a:schemeClr val="tx1"/>
+                </a:solidFill>
+                <a:latin typeface="Goudy Old Style" panose="02020502050305020303" pitchFamily="18" charset="0"/>
+              </a:endParaRPr>
+            </a:p>
+          </p:txBody>
+        </p:sp>
+        <p:sp>
+          <p:nvSpPr>
+            <p:cNvPr id="11" name="TextBox 10">
+              <a:extLst>
+                <a:ext uri="{FF2B5EF4-FFF2-40B4-BE49-F238E27FC236}">
+                  <a16:creationId xmlns:a16="http://schemas.microsoft.com/office/drawing/2014/main" id="{D7CD3D69-4309-45B2-BED3-3F465C479D5E}"/>
+                </a:ext>
+              </a:extLst>
+            </p:cNvPr>
+            <p:cNvSpPr txBox="1"/>
+            <p:nvPr/>
+          </p:nvSpPr>
+          <p:spPr>
+            <a:xfrm rot="1828167">
+              <a:off x="62783" y="270013"/>
+              <a:ext cx="1274813" cy="584775"/>
+            </a:xfrm>
+            <a:prstGeom prst="rect">
+              <a:avLst/>
+            </a:prstGeom>
+            <a:noFill/>
+          </p:spPr>
+          <p:txBody>
+            <a:bodyPr wrap="square">
+              <a:spAutoFit/>
+            </a:bodyPr>
+            <a:lstStyle/>
+            <a:p>
+              <a:pPr algn="ctr"/>
+              <a:r>
+                <a:rPr lang="en-US" sz="3200" b="1" dirty="0">
+                  <a:ln w="3175" cap="rnd" cmpd="sng">
+                    <a:solidFill>
+                      <a:schemeClr val="tx1"/>
+                    </a:solidFill>
+                    <a:miter lim="800000"/>
+                  </a:ln>
+                  <a:latin typeface="Avenir Next LT Pro Demi" panose="020B0604020202020204" pitchFamily="34" charset="0"/>
+                </a:rPr>
+                <a:t>ineqx</a:t>
+              </a:r>
+              <a:endParaRPr lang="en-US" sz="3600" b="1" dirty="0">
+                <a:ln w="3175" cap="rnd" cmpd="sng">
                   <a:solidFill>
                     <a:schemeClr val="tx1"/>
                   </a:solidFill>
                   <a:miter lim="800000"/>
                 </a:ln>
                 <a:latin typeface="Avenir Next LT Pro Demi" panose="020B0604020202020204" pitchFamily="34" charset="0"/>
-              </a:rPr>
-              <a:t>ineqx</a:t>
-            </a:r>
-            <a:endParaRPr lang="en-US" sz="3600" b="1" dirty="0">
-              <a:ln w="25400" cap="rnd" cmpd="sng">
-                <a:solidFill>
-                  <a:schemeClr val="tx1"/>
-                </a:solidFill>
-                <a:miter lim="800000"/>
-              </a:ln>
-              <a:latin typeface="Avenir Next LT Pro Demi" panose="020B0604020202020204" pitchFamily="34" charset="0"/>
-            </a:endParaRPr>
-          </a:p>
-        </p:txBody>
-      </p:sp>
+              </a:endParaRPr>
+            </a:p>
+          </p:txBody>
+        </p:sp>
+      </p:grpSp>
     </p:spTree>
     <p:extLst>
       <p:ext uri="{BB962C8B-B14F-4D97-AF65-F5344CB8AC3E}">
